--- a/180523_wed4.pptx
+++ b/180523_wed4.pptx
@@ -111,6 +111,11 @@
       </a:defRPr>
     </a:lvl9pPr>
   </p:defaultTextStyle>
+  <p:extLst>
+    <p:ext uri="{EFAFB233-063F-42B5-8137-9DF3F51BA10A}">
+      <p15:sldGuideLst xmlns:p15="http://schemas.microsoft.com/office/powerpoint/2012/main"/>
+    </p:ext>
+  </p:extLst>
 </p:presentation>
 </file>
 
@@ -3431,9 +3436,16 @@
             <p:ph idx="1"/>
           </p:nvPr>
         </p:nvSpPr>
-        <p:spPr/>
-        <p:txBody>
-          <a:bodyPr/>
+        <p:spPr>
+          <a:xfrm>
+            <a:off x="628649" y="1825625"/>
+            <a:ext cx="8309867" cy="1388272"/>
+          </a:xfrm>
+        </p:spPr>
+        <p:txBody>
+          <a:bodyPr>
+            <a:normAutofit/>
+          </a:bodyPr>
           <a:lstStyle/>
           <a:p>
             <a:pPr marL="0" indent="0">
@@ -3441,12 +3453,711 @@
             </a:pPr>
             <a:r>
               <a:rPr kumimoji="1" lang="ja-JP" altLang="en-US" dirty="0" smtClean="0"/>
-              <a:t>最近傍法を用いた</a:t>
-            </a:r>
-            <a:endParaRPr kumimoji="1" lang="ja-JP" altLang="en-US" dirty="0"/>
-          </a:p>
-        </p:txBody>
-      </p:sp>
+              <a:t>最近傍法</a:t>
+            </a:r>
+            <a:r>
+              <a:rPr kumimoji="1" lang="ja-JP" altLang="en-US" dirty="0" smtClean="0"/>
+              <a:t>を</a:t>
+            </a:r>
+            <a:r>
+              <a:rPr kumimoji="1" lang="ja-JP" altLang="en-US" dirty="0" smtClean="0"/>
+              <a:t>用いた</a:t>
+            </a:r>
+          </a:p>
+          <a:p>
+            <a:r>
+              <a:rPr lang="ja-JP" altLang="en-US" sz="2400" dirty="0" smtClean="0"/>
+              <a:t>画像を拡大した際に最近傍にある画素をそのまま用いる．</a:t>
+            </a:r>
+            <a:endParaRPr lang="en-US" altLang="ja-JP" sz="2400" dirty="0"/>
+          </a:p>
+        </p:txBody>
+      </p:sp>
+      <p:sp>
+        <p:nvSpPr>
+          <p:cNvPr id="6" name="テキスト ボックス 5"/>
+          <p:cNvSpPr txBox="1"/>
+          <p:nvPr/>
+        </p:nvSpPr>
+        <p:spPr>
+          <a:xfrm>
+            <a:off x="4131363" y="3143813"/>
+            <a:ext cx="65" cy="738664"/>
+          </a:xfrm>
+          <a:prstGeom prst="rect">
+            <a:avLst/>
+          </a:prstGeom>
+          <a:noFill/>
+        </p:spPr>
+        <p:txBody>
+          <a:bodyPr wrap="none" lIns="0" tIns="0" rIns="0" bIns="0" rtlCol="0">
+            <a:spAutoFit/>
+          </a:bodyPr>
+          <a:lstStyle/>
+          <a:p>
+            <a:endParaRPr kumimoji="1" lang="en-US" altLang="ja-JP" sz="2400" b="0" dirty="0" smtClean="0"/>
+          </a:p>
+          <a:p>
+            <a:endParaRPr kumimoji="1" lang="ja-JP" altLang="en-US" sz="2400" dirty="0"/>
+          </a:p>
+        </p:txBody>
+      </p:sp>
+      <p:sp>
+        <p:nvSpPr>
+          <p:cNvPr id="7" name="テキスト ボックス 6"/>
+          <p:cNvSpPr txBox="1"/>
+          <p:nvPr/>
+        </p:nvSpPr>
+        <p:spPr>
+          <a:xfrm>
+            <a:off x="4131363" y="3541723"/>
+            <a:ext cx="65" cy="738664"/>
+          </a:xfrm>
+          <a:prstGeom prst="rect">
+            <a:avLst/>
+          </a:prstGeom>
+          <a:noFill/>
+        </p:spPr>
+        <p:txBody>
+          <a:bodyPr wrap="none" lIns="0" tIns="0" rIns="0" bIns="0" rtlCol="0">
+            <a:spAutoFit/>
+          </a:bodyPr>
+          <a:lstStyle/>
+          <a:p>
+            <a:endParaRPr kumimoji="1" lang="en-US" altLang="ja-JP" sz="2400" b="0" dirty="0" smtClean="0"/>
+          </a:p>
+          <a:p>
+            <a:endParaRPr kumimoji="1" lang="ja-JP" altLang="en-US" sz="2400" dirty="0"/>
+          </a:p>
+        </p:txBody>
+      </p:sp>
+      <mc:AlternateContent xmlns:mc="http://schemas.openxmlformats.org/markup-compatibility/2006">
+        <mc:Choice xmlns:a14="http://schemas.microsoft.com/office/drawing/2010/main" Requires="a14">
+          <p:sp>
+            <p:nvSpPr>
+              <p:cNvPr id="8" name="テキスト ボックス 7"/>
+              <p:cNvSpPr txBox="1"/>
+              <p:nvPr/>
+            </p:nvSpPr>
+            <p:spPr>
+              <a:xfrm>
+                <a:off x="9144000" y="4366602"/>
+                <a:ext cx="2279470" cy="474361"/>
+              </a:xfrm>
+              <a:prstGeom prst="rect">
+                <a:avLst/>
+              </a:prstGeom>
+              <a:noFill/>
+            </p:spPr>
+            <p:txBody>
+              <a:bodyPr wrap="none" lIns="0" tIns="0" rIns="0" bIns="0" rtlCol="0">
+                <a:spAutoFit/>
+              </a:bodyPr>
+              <a:lstStyle/>
+              <a:p>
+                <a14:m>
+                  <m:oMathPara xmlns:m="http://schemas.openxmlformats.org/officeDocument/2006/math">
+                    <m:oMathParaPr>
+                      <m:jc m:val="centerGroup"/>
+                    </m:oMathParaPr>
+                    <m:oMath xmlns:m="http://schemas.openxmlformats.org/officeDocument/2006/math">
+                      <m:sSup>
+                        <m:sSupPr>
+                          <m:ctrlPr>
+                            <a:rPr kumimoji="1" lang="en-US" altLang="ja-JP" b="0" i="1" smtClean="0">
+                              <a:latin typeface="Cambria Math" charset="0"/>
+                            </a:rPr>
+                          </m:ctrlPr>
+                        </m:sSupPr>
+                        <m:e>
+                          <m:r>
+                            <a:rPr kumimoji="1" lang="en-US" altLang="ja-JP" b="0" i="1" smtClean="0">
+                              <a:latin typeface="Cambria Math" charset="0"/>
+                            </a:rPr>
+                            <m:t>𝐼</m:t>
+                          </m:r>
+                        </m:e>
+                        <m:sup>
+                          <m:r>
+                            <a:rPr kumimoji="1" lang="en-US" altLang="ja-JP" b="0" i="1" smtClean="0">
+                              <a:latin typeface="Cambria Math" charset="0"/>
+                            </a:rPr>
+                            <m:t>′</m:t>
+                          </m:r>
+                        </m:sup>
+                      </m:sSup>
+                      <m:d>
+                        <m:dPr>
+                          <m:ctrlPr>
+                            <a:rPr kumimoji="1" lang="en-US" altLang="ja-JP" b="0" i="1" smtClean="0">
+                              <a:latin typeface="Cambria Math" charset="0"/>
+                            </a:rPr>
+                          </m:ctrlPr>
+                        </m:dPr>
+                        <m:e>
+                          <m:r>
+                            <a:rPr kumimoji="1" lang="en-US" altLang="ja-JP" b="0" i="1" smtClean="0">
+                              <a:latin typeface="Cambria Math" charset="0"/>
+                            </a:rPr>
+                            <m:t>𝑥</m:t>
+                          </m:r>
+                          <m:r>
+                            <a:rPr kumimoji="1" lang="en-US" altLang="ja-JP" b="0" i="1" smtClean="0">
+                              <a:latin typeface="Cambria Math" charset="0"/>
+                            </a:rPr>
+                            <m:t>,</m:t>
+                          </m:r>
+                          <m:r>
+                            <a:rPr kumimoji="1" lang="en-US" altLang="ja-JP" b="0" i="1" smtClean="0">
+                              <a:latin typeface="Cambria Math" charset="0"/>
+                            </a:rPr>
+                            <m:t>𝑦</m:t>
+                          </m:r>
+                        </m:e>
+                      </m:d>
+                      <m:r>
+                        <a:rPr kumimoji="1" lang="en-US" altLang="ja-JP" b="0" i="1" smtClean="0">
+                          <a:latin typeface="Cambria Math" charset="0"/>
+                        </a:rPr>
+                        <m:t>=</m:t>
+                      </m:r>
+                      <m:r>
+                        <a:rPr kumimoji="1" lang="en-US" altLang="ja-JP" b="0" i="1" smtClean="0">
+                          <a:latin typeface="Cambria Math" charset="0"/>
+                        </a:rPr>
+                        <m:t>𝐼</m:t>
+                      </m:r>
+                      <m:d>
+                        <m:dPr>
+                          <m:ctrlPr>
+                            <a:rPr kumimoji="1" lang="en-US" altLang="ja-JP" b="0" i="1" smtClean="0">
+                              <a:latin typeface="Cambria Math" charset="0"/>
+                            </a:rPr>
+                          </m:ctrlPr>
+                        </m:dPr>
+                        <m:e>
+                          <m:d>
+                            <m:dPr>
+                              <m:begChr m:val="["/>
+                              <m:endChr m:val="]"/>
+                              <m:ctrlPr>
+                                <a:rPr kumimoji="1" lang="en-US" altLang="ja-JP" b="0" i="1" smtClean="0">
+                                  <a:latin typeface="Cambria Math" charset="0"/>
+                                </a:rPr>
+                              </m:ctrlPr>
+                            </m:dPr>
+                            <m:e>
+                              <m:f>
+                                <m:fPr>
+                                  <m:ctrlPr>
+                                    <a:rPr kumimoji="1" lang="en-US" altLang="ja-JP" b="0" i="1" smtClean="0">
+                                      <a:latin typeface="Cambria Math" charset="0"/>
+                                    </a:rPr>
+                                  </m:ctrlPr>
+                                </m:fPr>
+                                <m:num>
+                                  <m:r>
+                                    <a:rPr kumimoji="1" lang="en-US" altLang="ja-JP" b="0" i="1" smtClean="0">
+                                      <a:latin typeface="Cambria Math" charset="0"/>
+                                    </a:rPr>
+                                    <m:t>𝑥</m:t>
+                                  </m:r>
+                                </m:num>
+                                <m:den>
+                                  <m:r>
+                                    <a:rPr kumimoji="1" lang="en-US" altLang="ja-JP" b="0" i="1" smtClean="0">
+                                      <a:latin typeface="Cambria Math" charset="0"/>
+                                    </a:rPr>
+                                    <m:t>𝑚</m:t>
+                                  </m:r>
+                                </m:den>
+                              </m:f>
+                            </m:e>
+                          </m:d>
+                          <m:r>
+                            <a:rPr kumimoji="1" lang="en-US" altLang="ja-JP" b="0" i="1" smtClean="0">
+                              <a:latin typeface="Cambria Math" charset="0"/>
+                            </a:rPr>
+                            <m:t>,</m:t>
+                          </m:r>
+                          <m:d>
+                            <m:dPr>
+                              <m:begChr m:val="["/>
+                              <m:endChr m:val="]"/>
+                              <m:ctrlPr>
+                                <a:rPr kumimoji="1" lang="en-US" altLang="ja-JP" b="0" i="1" smtClean="0">
+                                  <a:latin typeface="Cambria Math" charset="0"/>
+                                </a:rPr>
+                              </m:ctrlPr>
+                            </m:dPr>
+                            <m:e>
+                              <m:f>
+                                <m:fPr>
+                                  <m:ctrlPr>
+                                    <a:rPr kumimoji="1" lang="en-US" altLang="ja-JP" b="0" i="1" smtClean="0">
+                                      <a:latin typeface="Cambria Math" charset="0"/>
+                                    </a:rPr>
+                                  </m:ctrlPr>
+                                </m:fPr>
+                                <m:num>
+                                  <m:r>
+                                    <a:rPr kumimoji="1" lang="en-US" altLang="ja-JP" b="0" i="1" smtClean="0">
+                                      <a:latin typeface="Cambria Math" charset="0"/>
+                                    </a:rPr>
+                                    <m:t>𝑦</m:t>
+                                  </m:r>
+                                </m:num>
+                                <m:den>
+                                  <m:r>
+                                    <a:rPr kumimoji="1" lang="en-US" altLang="ja-JP" b="0" i="1" smtClean="0">
+                                      <a:latin typeface="Cambria Math" charset="0"/>
+                                    </a:rPr>
+                                    <m:t>𝑚</m:t>
+                                  </m:r>
+                                </m:den>
+                              </m:f>
+                            </m:e>
+                          </m:d>
+                        </m:e>
+                      </m:d>
+                    </m:oMath>
+                  </m:oMathPara>
+                </a14:m>
+                <a:endParaRPr kumimoji="1" lang="ja-JP" altLang="en-US" dirty="0"/>
+              </a:p>
+            </p:txBody>
+          </p:sp>
+        </mc:Choice>
+        <mc:Fallback>
+          <p:sp>
+            <p:nvSpPr>
+              <p:cNvPr id="8" name="テキスト ボックス 7"/>
+              <p:cNvSpPr txBox="1">
+                <a:spLocks noRot="1" noChangeAspect="1" noMove="1" noResize="1" noEditPoints="1" noAdjustHandles="1" noChangeArrowheads="1" noChangeShapeType="1" noTextEdit="1"/>
+              </p:cNvSpPr>
+              <p:nvPr/>
+            </p:nvSpPr>
+            <p:spPr>
+              <a:xfrm>
+                <a:off x="9144000" y="4366602"/>
+                <a:ext cx="2279470" cy="474361"/>
+              </a:xfrm>
+              <a:prstGeom prst="rect">
+                <a:avLst/>
+              </a:prstGeom>
+              <a:blipFill rotWithShape="0">
+                <a:blip r:embed="rId2"/>
+                <a:stretch>
+                  <a:fillRect/>
+                </a:stretch>
+              </a:blipFill>
+            </p:spPr>
+            <p:txBody>
+              <a:bodyPr/>
+              <a:lstStyle/>
+              <a:p>
+                <a:r>
+                  <a:rPr lang="ja-JP" altLang="en-US">
+                    <a:noFill/>
+                  </a:rPr>
+                  <a:t> </a:t>
+                </a:r>
+              </a:p>
+            </p:txBody>
+          </p:sp>
+        </mc:Fallback>
+      </mc:AlternateContent>
+      <mc:AlternateContent xmlns:mc="http://schemas.openxmlformats.org/markup-compatibility/2006">
+        <mc:Choice xmlns:a14="http://schemas.microsoft.com/office/drawing/2010/main" Requires="a14">
+          <p:sp>
+            <p:nvSpPr>
+              <p:cNvPr id="9" name="テキスト ボックス 8"/>
+              <p:cNvSpPr txBox="1"/>
+              <p:nvPr/>
+            </p:nvSpPr>
+            <p:spPr>
+              <a:xfrm>
+                <a:off x="1166116" y="4831333"/>
+                <a:ext cx="4289764" cy="369332"/>
+              </a:xfrm>
+              <a:prstGeom prst="rect">
+                <a:avLst/>
+              </a:prstGeom>
+              <a:noFill/>
+            </p:spPr>
+            <p:txBody>
+              <a:bodyPr wrap="none" lIns="0" tIns="0" rIns="0" bIns="0" rtlCol="0">
+                <a:spAutoFit/>
+              </a:bodyPr>
+              <a:lstStyle/>
+              <a:p>
+                <a14:m>
+                  <m:oMath xmlns:m="http://schemas.openxmlformats.org/officeDocument/2006/math">
+                    <m:r>
+                      <a:rPr kumimoji="1" lang="en-US" altLang="ja-JP" sz="2400" b="0" i="1" smtClean="0">
+                        <a:latin typeface="Cambria Math" charset="0"/>
+                      </a:rPr>
+                      <m:t>𝑥</m:t>
+                    </m:r>
+                    <m:r>
+                      <a:rPr kumimoji="1" lang="en-US" altLang="ja-JP" sz="2400" b="0" i="1" smtClean="0">
+                        <a:latin typeface="Cambria Math" charset="0"/>
+                      </a:rPr>
+                      <m:t>,</m:t>
+                    </m:r>
+                    <m:r>
+                      <a:rPr kumimoji="1" lang="en-US" altLang="ja-JP" sz="2400" b="0" i="1" smtClean="0">
+                        <a:latin typeface="Cambria Math" charset="0"/>
+                      </a:rPr>
+                      <m:t>𝑦</m:t>
+                    </m:r>
+                    <m:r>
+                      <a:rPr kumimoji="1" lang="en-US" altLang="ja-JP" sz="2400" b="0" i="1" smtClean="0">
+                        <a:latin typeface="Cambria Math" charset="0"/>
+                      </a:rPr>
+                      <m:t>:拡大</m:t>
+                    </m:r>
+                  </m:oMath>
+                </a14:m>
+                <a:r>
+                  <a:rPr kumimoji="1" lang="ja-JP" altLang="en-US" sz="2400" dirty="0" smtClean="0"/>
+                  <a:t>（縮小）後の画素の位置</a:t>
+                </a:r>
+                <a:endParaRPr kumimoji="1" lang="en-US" altLang="ja-JP" sz="2400" dirty="0" smtClean="0"/>
+              </a:p>
+            </p:txBody>
+          </p:sp>
+        </mc:Choice>
+        <mc:Fallback>
+          <p:sp>
+            <p:nvSpPr>
+              <p:cNvPr id="9" name="テキスト ボックス 8"/>
+              <p:cNvSpPr txBox="1">
+                <a:spLocks noRot="1" noChangeAspect="1" noMove="1" noResize="1" noEditPoints="1" noAdjustHandles="1" noChangeArrowheads="1" noChangeShapeType="1" noTextEdit="1"/>
+              </p:cNvSpPr>
+              <p:nvPr/>
+            </p:nvSpPr>
+            <p:spPr>
+              <a:xfrm>
+                <a:off x="1166116" y="4831333"/>
+                <a:ext cx="4289764" cy="369332"/>
+              </a:xfrm>
+              <a:prstGeom prst="rect">
+                <a:avLst/>
+              </a:prstGeom>
+              <a:blipFill rotWithShape="0">
+                <a:blip r:embed="rId3"/>
+                <a:stretch>
+                  <a:fillRect l="-1705" t="-33333" r="-3409" b="-43333"/>
+                </a:stretch>
+              </a:blipFill>
+            </p:spPr>
+            <p:txBody>
+              <a:bodyPr/>
+              <a:lstStyle/>
+              <a:p>
+                <a:r>
+                  <a:rPr lang="ja-JP" altLang="en-US">
+                    <a:noFill/>
+                  </a:rPr>
+                  <a:t> </a:t>
+                </a:r>
+              </a:p>
+            </p:txBody>
+          </p:sp>
+        </mc:Fallback>
+      </mc:AlternateContent>
+      <mc:AlternateContent xmlns:mc="http://schemas.openxmlformats.org/markup-compatibility/2006">
+        <mc:Choice xmlns:a14="http://schemas.microsoft.com/office/drawing/2010/main" Requires="a14">
+          <p:sp>
+            <p:nvSpPr>
+              <p:cNvPr id="11" name="テキスト ボックス 10"/>
+              <p:cNvSpPr txBox="1"/>
+              <p:nvPr/>
+            </p:nvSpPr>
+            <p:spPr>
+              <a:xfrm>
+                <a:off x="1166116" y="5293031"/>
+                <a:ext cx="2243050" cy="369332"/>
+              </a:xfrm>
+              <a:prstGeom prst="rect">
+                <a:avLst/>
+              </a:prstGeom>
+              <a:noFill/>
+            </p:spPr>
+            <p:txBody>
+              <a:bodyPr wrap="none" lIns="0" tIns="0" rIns="0" bIns="0" rtlCol="0">
+                <a:spAutoFit/>
+              </a:bodyPr>
+              <a:lstStyle/>
+              <a:p>
+                <a14:m>
+                  <m:oMath xmlns:m="http://schemas.openxmlformats.org/officeDocument/2006/math">
+                    <m:r>
+                      <a:rPr kumimoji="1" lang="en-US" altLang="ja-JP" sz="2400" b="0" i="1" smtClean="0">
+                        <a:latin typeface="Cambria Math" charset="0"/>
+                      </a:rPr>
+                      <m:t>𝑚</m:t>
+                    </m:r>
+                    <m:r>
+                      <a:rPr kumimoji="1" lang="en-US" altLang="ja-JP" sz="2400" b="0" i="1" smtClean="0">
+                        <a:latin typeface="Cambria Math" charset="0"/>
+                      </a:rPr>
+                      <m:t>:拡大</m:t>
+                    </m:r>
+                  </m:oMath>
+                </a14:m>
+                <a:r>
+                  <a:rPr kumimoji="1" lang="ja-JP" altLang="en-US" sz="2400" dirty="0" smtClean="0"/>
+                  <a:t>（縮小）率</a:t>
+                </a:r>
+                <a:endParaRPr kumimoji="1" lang="ja-JP" altLang="en-US" sz="2400" dirty="0"/>
+              </a:p>
+            </p:txBody>
+          </p:sp>
+        </mc:Choice>
+        <mc:Fallback>
+          <p:sp>
+            <p:nvSpPr>
+              <p:cNvPr id="11" name="テキスト ボックス 10"/>
+              <p:cNvSpPr txBox="1">
+                <a:spLocks noRot="1" noChangeAspect="1" noMove="1" noResize="1" noEditPoints="1" noAdjustHandles="1" noChangeArrowheads="1" noChangeShapeType="1" noTextEdit="1"/>
+              </p:cNvSpPr>
+              <p:nvPr/>
+            </p:nvSpPr>
+            <p:spPr>
+              <a:xfrm>
+                <a:off x="1166116" y="5293031"/>
+                <a:ext cx="2243050" cy="369332"/>
+              </a:xfrm>
+              <a:prstGeom prst="rect">
+                <a:avLst/>
+              </a:prstGeom>
+              <a:blipFill rotWithShape="0">
+                <a:blip r:embed="rId4"/>
+                <a:stretch>
+                  <a:fillRect l="-3261" t="-31148" r="-7337" b="-42623"/>
+                </a:stretch>
+              </a:blipFill>
+            </p:spPr>
+            <p:txBody>
+              <a:bodyPr/>
+              <a:lstStyle/>
+              <a:p>
+                <a:r>
+                  <a:rPr lang="ja-JP" altLang="en-US">
+                    <a:noFill/>
+                  </a:rPr>
+                  <a:t> </a:t>
+                </a:r>
+              </a:p>
+            </p:txBody>
+          </p:sp>
+        </mc:Fallback>
+      </mc:AlternateContent>
+      <mc:AlternateContent xmlns:mc="http://schemas.openxmlformats.org/markup-compatibility/2006">
+        <mc:Choice xmlns:a14="http://schemas.microsoft.com/office/drawing/2010/main" Requires="a14">
+          <p:sp>
+            <p:nvSpPr>
+              <p:cNvPr id="12" name="テキスト ボックス 11"/>
+              <p:cNvSpPr txBox="1"/>
+              <p:nvPr/>
+            </p:nvSpPr>
+            <p:spPr>
+              <a:xfrm>
+                <a:off x="1480644" y="3042497"/>
+                <a:ext cx="1344727" cy="1444691"/>
+              </a:xfrm>
+              <a:prstGeom prst="rect">
+                <a:avLst/>
+              </a:prstGeom>
+              <a:noFill/>
+            </p:spPr>
+            <p:txBody>
+              <a:bodyPr wrap="none" lIns="0" tIns="0" rIns="0" bIns="0" rtlCol="0">
+                <a:spAutoFit/>
+              </a:bodyPr>
+              <a:lstStyle/>
+              <a:p>
+                <a14:m>
+                  <m:oMathPara xmlns:m="http://schemas.openxmlformats.org/officeDocument/2006/math">
+                    <m:oMathParaPr>
+                      <m:jc m:val="centerGroup"/>
+                    </m:oMathParaPr>
+                    <m:oMath xmlns:m="http://schemas.openxmlformats.org/officeDocument/2006/math">
+                      <m:d>
+                        <m:dPr>
+                          <m:begChr m:val="{"/>
+                          <m:endChr m:val=""/>
+                          <m:ctrlPr>
+                            <a:rPr kumimoji="1" lang="mr-IN" altLang="ja-JP" sz="2400" i="1" smtClean="0">
+                              <a:latin typeface="Cambria Math" charset="0"/>
+                            </a:rPr>
+                          </m:ctrlPr>
+                        </m:dPr>
+                        <m:e>
+                          <m:eqArr>
+                            <m:eqArrPr>
+                              <m:ctrlPr>
+                                <a:rPr kumimoji="1" lang="mr-IN" altLang="ja-JP" sz="2400" i="1" smtClean="0">
+                                  <a:latin typeface="Cambria Math" charset="0"/>
+                                </a:rPr>
+                              </m:ctrlPr>
+                            </m:eqArrPr>
+                            <m:e>
+                              <m:r>
+                                <a:rPr kumimoji="1" lang="en-US" altLang="ja-JP" sz="2400" b="0" i="1" smtClean="0">
+                                  <a:latin typeface="Cambria Math" charset="0"/>
+                                </a:rPr>
+                                <m:t>𝑥</m:t>
+                              </m:r>
+                              <m:r>
+                                <a:rPr kumimoji="1" lang="en-US" altLang="ja-JP" sz="2400" b="0" i="1" smtClean="0">
+                                  <a:latin typeface="Cambria Math" charset="0"/>
+                                </a:rPr>
+                                <m:t>=</m:t>
+                              </m:r>
+                              <m:d>
+                                <m:dPr>
+                                  <m:begChr m:val="["/>
+                                  <m:endChr m:val="]"/>
+                                  <m:ctrlPr>
+                                    <a:rPr kumimoji="1" lang="en-US" altLang="ja-JP" sz="2400" b="0" i="1" smtClean="0">
+                                      <a:latin typeface="Cambria Math" charset="0"/>
+                                    </a:rPr>
+                                  </m:ctrlPr>
+                                </m:dPr>
+                                <m:e>
+                                  <m:f>
+                                    <m:fPr>
+                                      <m:ctrlPr>
+                                        <a:rPr kumimoji="1" lang="en-US" altLang="ja-JP" sz="2400" b="0" i="1" smtClean="0">
+                                          <a:latin typeface="Cambria Math" charset="0"/>
+                                        </a:rPr>
+                                      </m:ctrlPr>
+                                    </m:fPr>
+                                    <m:num>
+                                      <m:r>
+                                        <a:rPr kumimoji="1" lang="en-US" altLang="ja-JP" sz="2400" b="0" i="1" smtClean="0">
+                                          <a:latin typeface="Cambria Math" charset="0"/>
+                                        </a:rPr>
+                                        <m:t>𝑥</m:t>
+                                      </m:r>
+                                    </m:num>
+                                    <m:den>
+                                      <m:r>
+                                        <a:rPr kumimoji="1" lang="en-US" altLang="ja-JP" sz="2400" b="0" i="1" smtClean="0">
+                                          <a:latin typeface="Cambria Math" charset="0"/>
+                                        </a:rPr>
+                                        <m:t>𝑚</m:t>
+                                      </m:r>
+                                    </m:den>
+                                  </m:f>
+                                </m:e>
+                              </m:d>
+                            </m:e>
+                            <m:e>
+                              <m:r>
+                                <a:rPr kumimoji="1" lang="en-US" altLang="ja-JP" sz="2400" b="0" i="1" smtClean="0">
+                                  <a:latin typeface="Cambria Math" charset="0"/>
+                                </a:rPr>
+                                <m:t>𝑦</m:t>
+                              </m:r>
+                              <m:r>
+                                <a:rPr kumimoji="1" lang="en-US" altLang="ja-JP" sz="2400" b="0" i="1" smtClean="0">
+                                  <a:latin typeface="Cambria Math" charset="0"/>
+                                </a:rPr>
+                                <m:t>=</m:t>
+                              </m:r>
+                              <m:d>
+                                <m:dPr>
+                                  <m:begChr m:val="["/>
+                                  <m:endChr m:val="]"/>
+                                  <m:ctrlPr>
+                                    <a:rPr kumimoji="1" lang="en-US" altLang="ja-JP" sz="2400" b="0" i="1" smtClean="0">
+                                      <a:latin typeface="Cambria Math" charset="0"/>
+                                    </a:rPr>
+                                  </m:ctrlPr>
+                                </m:dPr>
+                                <m:e>
+                                  <m:f>
+                                    <m:fPr>
+                                      <m:ctrlPr>
+                                        <a:rPr kumimoji="1" lang="en-US" altLang="ja-JP" sz="2400" b="0" i="1" smtClean="0">
+                                          <a:latin typeface="Cambria Math" charset="0"/>
+                                        </a:rPr>
+                                      </m:ctrlPr>
+                                    </m:fPr>
+                                    <m:num>
+                                      <m:r>
+                                        <a:rPr kumimoji="1" lang="en-US" altLang="ja-JP" sz="2400" b="0" i="1" smtClean="0">
+                                          <a:latin typeface="Cambria Math" charset="0"/>
+                                        </a:rPr>
+                                        <m:t>𝑦</m:t>
+                                      </m:r>
+                                    </m:num>
+                                    <m:den>
+                                      <m:r>
+                                        <a:rPr kumimoji="1" lang="en-US" altLang="ja-JP" sz="2400" b="0" i="1" smtClean="0">
+                                          <a:latin typeface="Cambria Math" charset="0"/>
+                                        </a:rPr>
+                                        <m:t>𝑚</m:t>
+                                      </m:r>
+                                    </m:den>
+                                  </m:f>
+                                </m:e>
+                              </m:d>
+                            </m:e>
+                          </m:eqArr>
+                        </m:e>
+                      </m:d>
+                    </m:oMath>
+                  </m:oMathPara>
+                </a14:m>
+                <a:endParaRPr kumimoji="1" lang="ja-JP" altLang="en-US" sz="2400" dirty="0"/>
+              </a:p>
+            </p:txBody>
+          </p:sp>
+        </mc:Choice>
+        <mc:Fallback>
+          <p:sp>
+            <p:nvSpPr>
+              <p:cNvPr id="12" name="テキスト ボックス 11"/>
+              <p:cNvSpPr txBox="1">
+                <a:spLocks noRot="1" noChangeAspect="1" noMove="1" noResize="1" noEditPoints="1" noAdjustHandles="1" noChangeArrowheads="1" noChangeShapeType="1" noTextEdit="1"/>
+              </p:cNvSpPr>
+              <p:nvPr/>
+            </p:nvSpPr>
+            <p:spPr>
+              <a:xfrm>
+                <a:off x="1480644" y="3042497"/>
+                <a:ext cx="1344727" cy="1444691"/>
+              </a:xfrm>
+              <a:prstGeom prst="rect">
+                <a:avLst/>
+              </a:prstGeom>
+              <a:blipFill rotWithShape="0">
+                <a:blip r:embed="rId5"/>
+                <a:stretch>
+                  <a:fillRect/>
+                </a:stretch>
+              </a:blipFill>
+            </p:spPr>
+            <p:txBody>
+              <a:bodyPr/>
+              <a:lstStyle/>
+              <a:p>
+                <a:r>
+                  <a:rPr lang="ja-JP" altLang="en-US">
+                    <a:noFill/>
+                  </a:rPr>
+                  <a:t> </a:t>
+                </a:r>
+              </a:p>
+            </p:txBody>
+          </p:sp>
+        </mc:Fallback>
+      </mc:AlternateContent>
     </p:spTree>
     <p:extLst>
       <p:ext uri="{BB962C8B-B14F-4D97-AF65-F5344CB8AC3E}">
@@ -3517,9 +4228,16 @@
             <p:ph idx="1"/>
           </p:nvPr>
         </p:nvSpPr>
-        <p:spPr/>
-        <p:txBody>
-          <a:bodyPr/>
+        <p:spPr>
+          <a:xfrm>
+            <a:off x="392344" y="1548626"/>
+            <a:ext cx="8854398" cy="1910124"/>
+          </a:xfrm>
+        </p:spPr>
+        <p:txBody>
+          <a:bodyPr>
+            <a:normAutofit/>
+          </a:bodyPr>
           <a:lstStyle/>
           <a:p>
             <a:pPr marL="0" indent="0">
@@ -3527,12 +4245,725 @@
             </a:pPr>
             <a:r>
               <a:rPr kumimoji="1" lang="ja-JP" altLang="en-US" dirty="0" smtClean="0"/>
-              <a:t>線形補間を用いた．</a:t>
-            </a:r>
-            <a:endParaRPr kumimoji="1" lang="ja-JP" altLang="en-US" dirty="0"/>
-          </a:p>
-        </p:txBody>
-      </p:sp>
+              <a:t>線形補間を用いた</a:t>
+            </a:r>
+            <a:r>
+              <a:rPr kumimoji="1" lang="ja-JP" altLang="en-US" dirty="0" smtClean="0"/>
+              <a:t>．</a:t>
+            </a:r>
+            <a:endParaRPr kumimoji="1" lang="en-US" altLang="ja-JP" dirty="0" smtClean="0"/>
+          </a:p>
+          <a:p>
+            <a:r>
+              <a:rPr lang="ja-JP" altLang="en-US" sz="2400" dirty="0"/>
+              <a:t>対応する原画像の位置の近傍４画素からの距離によって線形補間する方法</a:t>
+            </a:r>
+            <a:endParaRPr kumimoji="1" lang="ja-JP" altLang="en-US" sz="2400" dirty="0"/>
+          </a:p>
+        </p:txBody>
+      </p:sp>
+      <mc:AlternateContent xmlns:mc="http://schemas.openxmlformats.org/markup-compatibility/2006">
+        <mc:Choice xmlns:a14="http://schemas.microsoft.com/office/drawing/2010/main" Requires="a14">
+          <p:sp>
+            <p:nvSpPr>
+              <p:cNvPr id="4" name="テキスト ボックス 3"/>
+              <p:cNvSpPr txBox="1"/>
+              <p:nvPr/>
+            </p:nvSpPr>
+            <p:spPr>
+              <a:xfrm>
+                <a:off x="970907" y="3220946"/>
+                <a:ext cx="3545009" cy="823815"/>
+              </a:xfrm>
+              <a:prstGeom prst="rect">
+                <a:avLst/>
+              </a:prstGeom>
+              <a:noFill/>
+            </p:spPr>
+            <p:txBody>
+              <a:bodyPr wrap="none" lIns="0" tIns="0" rIns="0" bIns="0" rtlCol="0">
+                <a:spAutoFit/>
+              </a:bodyPr>
+              <a:lstStyle/>
+              <a:p>
+                <a14:m>
+                  <m:oMathPara xmlns:m="http://schemas.openxmlformats.org/officeDocument/2006/math">
+                    <m:oMathParaPr>
+                      <m:jc m:val="centerGroup"/>
+                    </m:oMathParaPr>
+                    <m:oMath xmlns:m="http://schemas.openxmlformats.org/officeDocument/2006/math">
+                      <m:d>
+                        <m:dPr>
+                          <m:begChr m:val="{"/>
+                          <m:endChr m:val=""/>
+                          <m:ctrlPr>
+                            <a:rPr kumimoji="1" lang="mr-IN" altLang="ja-JP" sz="2400" i="1" smtClean="0">
+                              <a:latin typeface="Cambria Math" charset="0"/>
+                            </a:rPr>
+                          </m:ctrlPr>
+                        </m:dPr>
+                        <m:e>
+                          <m:eqArr>
+                            <m:eqArrPr>
+                              <m:ctrlPr>
+                                <a:rPr kumimoji="1" lang="mr-IN" altLang="ja-JP" sz="2400" i="1" smtClean="0">
+                                  <a:latin typeface="Cambria Math" charset="0"/>
+                                </a:rPr>
+                              </m:ctrlPr>
+                            </m:eqArrPr>
+                            <m:e>
+                              <m:r>
+                                <a:rPr kumimoji="1" lang="en-US" altLang="ja-JP" sz="2400" b="0" i="1" smtClean="0">
+                                  <a:latin typeface="Cambria Math" charset="0"/>
+                                </a:rPr>
+                                <m:t>𝑥</m:t>
+                              </m:r>
+                              <m:r>
+                                <a:rPr kumimoji="1" lang="en-US" altLang="ja-JP" sz="2400" b="0" i="1" smtClean="0">
+                                  <a:latin typeface="Cambria Math" charset="0"/>
+                                </a:rPr>
+                                <m:t>=</m:t>
+                              </m:r>
+                              <m:sSup>
+                                <m:sSupPr>
+                                  <m:ctrlPr>
+                                    <a:rPr kumimoji="1" lang="en-US" altLang="ja-JP" sz="2400" b="0" i="1" smtClean="0">
+                                      <a:latin typeface="Cambria Math" charset="0"/>
+                                    </a:rPr>
+                                  </m:ctrlPr>
+                                </m:sSupPr>
+                                <m:e>
+                                  <m:r>
+                                    <a:rPr kumimoji="1" lang="en-US" altLang="ja-JP" sz="2400" b="0" i="1" smtClean="0">
+                                      <a:latin typeface="Cambria Math" charset="0"/>
+                                    </a:rPr>
+                                    <m:t>𝑥</m:t>
+                                  </m:r>
+                                </m:e>
+                                <m:sup>
+                                  <m:r>
+                                    <a:rPr kumimoji="1" lang="en-US" altLang="ja-JP" sz="2400" b="0" i="1" smtClean="0">
+                                      <a:latin typeface="Cambria Math" charset="0"/>
+                                    </a:rPr>
+                                    <m:t>′</m:t>
+                                  </m:r>
+                                </m:sup>
+                              </m:sSup>
+                              <m:r>
+                                <a:rPr kumimoji="1" lang="en-US" altLang="ja-JP" sz="2400" b="0" i="1" smtClean="0">
+                                  <a:latin typeface="Cambria Math" charset="0"/>
+                                </a:rPr>
+                                <m:t>×</m:t>
+                              </m:r>
+                              <m:func>
+                                <m:funcPr>
+                                  <m:ctrlPr>
+                                    <a:rPr kumimoji="1" lang="en-US" altLang="ja-JP" sz="2400" b="0" i="1" smtClean="0">
+                                      <a:latin typeface="Cambria Math" charset="0"/>
+                                    </a:rPr>
+                                  </m:ctrlPr>
+                                </m:funcPr>
+                                <m:fName>
+                                  <m:r>
+                                    <m:rPr>
+                                      <m:sty m:val="p"/>
+                                    </m:rPr>
+                                    <a:rPr kumimoji="1" lang="en-US" altLang="ja-JP" sz="2400" b="0" i="0" smtClean="0">
+                                      <a:latin typeface="Cambria Math" charset="0"/>
+                                    </a:rPr>
+                                    <m:t>cos</m:t>
+                                  </m:r>
+                                </m:fName>
+                                <m:e>
+                                  <m:r>
+                                    <a:rPr kumimoji="1" lang="en-US" altLang="ja-JP" sz="2400" b="0" i="1" smtClean="0">
+                                      <a:latin typeface="Cambria Math" charset="0"/>
+                                    </a:rPr>
+                                    <m:t>𝜃</m:t>
+                                  </m:r>
+                                </m:e>
+                              </m:func>
+                              <m:r>
+                                <a:rPr kumimoji="1" lang="en-US" altLang="ja-JP" sz="2400" b="0" i="1" smtClean="0">
+                                  <a:latin typeface="Cambria Math" charset="0"/>
+                                </a:rPr>
+                                <m:t>+</m:t>
+                              </m:r>
+                              <m:sSup>
+                                <m:sSupPr>
+                                  <m:ctrlPr>
+                                    <a:rPr kumimoji="1" lang="en-US" altLang="ja-JP" sz="2400" b="0" i="1" smtClean="0">
+                                      <a:latin typeface="Cambria Math" charset="0"/>
+                                    </a:rPr>
+                                  </m:ctrlPr>
+                                </m:sSupPr>
+                                <m:e>
+                                  <m:r>
+                                    <a:rPr kumimoji="1" lang="en-US" altLang="ja-JP" sz="2400" b="0" i="1" smtClean="0">
+                                      <a:latin typeface="Cambria Math" charset="0"/>
+                                    </a:rPr>
+                                    <m:t>𝑦</m:t>
+                                  </m:r>
+                                </m:e>
+                                <m:sup>
+                                  <m:r>
+                                    <a:rPr kumimoji="1" lang="en-US" altLang="ja-JP" sz="2400" b="0" i="1" smtClean="0">
+                                      <a:latin typeface="Cambria Math" charset="0"/>
+                                    </a:rPr>
+                                    <m:t>′</m:t>
+                                  </m:r>
+                                </m:sup>
+                              </m:sSup>
+                              <m:r>
+                                <a:rPr kumimoji="1" lang="en-US" altLang="ja-JP" sz="2400" b="0" i="1" smtClean="0">
+                                  <a:latin typeface="Cambria Math" charset="0"/>
+                                </a:rPr>
+                                <m:t>×</m:t>
+                              </m:r>
+                              <m:func>
+                                <m:funcPr>
+                                  <m:ctrlPr>
+                                    <a:rPr kumimoji="1" lang="en-US" altLang="ja-JP" sz="2400" b="0" i="1" smtClean="0">
+                                      <a:latin typeface="Cambria Math" charset="0"/>
+                                    </a:rPr>
+                                  </m:ctrlPr>
+                                </m:funcPr>
+                                <m:fName>
+                                  <m:r>
+                                    <m:rPr>
+                                      <m:sty m:val="p"/>
+                                    </m:rPr>
+                                    <a:rPr kumimoji="1" lang="en-US" altLang="ja-JP" sz="2400" b="0" i="0" smtClean="0">
+                                      <a:latin typeface="Cambria Math" charset="0"/>
+                                    </a:rPr>
+                                    <m:t>sin</m:t>
+                                  </m:r>
+                                </m:fName>
+                                <m:e>
+                                  <m:r>
+                                    <a:rPr kumimoji="1" lang="en-US" altLang="ja-JP" sz="2400" b="0" i="1" smtClean="0">
+                                      <a:latin typeface="Cambria Math" charset="0"/>
+                                    </a:rPr>
+                                    <m:t>𝜃</m:t>
+                                  </m:r>
+                                </m:e>
+                              </m:func>
+                            </m:e>
+                            <m:e>
+                              <m:r>
+                                <a:rPr kumimoji="1" lang="en-US" altLang="ja-JP" sz="2400" b="0" i="1" smtClean="0">
+                                  <a:latin typeface="Cambria Math" charset="0"/>
+                                </a:rPr>
+                                <m:t>𝑦</m:t>
+                              </m:r>
+                              <m:r>
+                                <a:rPr kumimoji="1" lang="en-US" altLang="ja-JP" sz="2400" b="0" i="1" smtClean="0">
+                                  <a:latin typeface="Cambria Math" charset="0"/>
+                                </a:rPr>
+                                <m:t>=</m:t>
+                              </m:r>
+                              <m:r>
+                                <a:rPr kumimoji="1" lang="en-US" altLang="ja-JP" sz="2400" b="0" i="1" smtClean="0">
+                                  <a:latin typeface="Cambria Math" charset="0"/>
+                                </a:rPr>
+                                <m:t>𝑥</m:t>
+                              </m:r>
+                              <m:r>
+                                <a:rPr kumimoji="1" lang="en-US" altLang="ja-JP" sz="2400" b="0" i="1" smtClean="0">
+                                  <a:latin typeface="Cambria Math" charset="0"/>
+                                </a:rPr>
+                                <m:t>′×</m:t>
+                              </m:r>
+                              <m:func>
+                                <m:funcPr>
+                                  <m:ctrlPr>
+                                    <a:rPr kumimoji="1" lang="en-US" altLang="ja-JP" sz="2400" b="0" i="1" smtClean="0">
+                                      <a:latin typeface="Cambria Math" charset="0"/>
+                                    </a:rPr>
+                                  </m:ctrlPr>
+                                </m:funcPr>
+                                <m:fName>
+                                  <m:func>
+                                    <m:funcPr>
+                                      <m:ctrlPr>
+                                        <a:rPr lang="en-US" altLang="ja-JP" sz="2400" i="1">
+                                          <a:latin typeface="Cambria Math" charset="0"/>
+                                        </a:rPr>
+                                      </m:ctrlPr>
+                                    </m:funcPr>
+                                    <m:fName>
+                                      <m:r>
+                                        <m:rPr>
+                                          <m:sty m:val="p"/>
+                                        </m:rPr>
+                                        <a:rPr lang="en-US" altLang="ja-JP" sz="2400">
+                                          <a:latin typeface="Cambria Math" charset="0"/>
+                                        </a:rPr>
+                                        <m:t>sin</m:t>
+                                      </m:r>
+                                    </m:fName>
+                                    <m:e>
+                                      <m:r>
+                                        <a:rPr lang="en-US" altLang="ja-JP" sz="2400" i="1">
+                                          <a:latin typeface="Cambria Math" charset="0"/>
+                                        </a:rPr>
+                                        <m:t>𝜃</m:t>
+                                      </m:r>
+                                    </m:e>
+                                  </m:func>
+                                </m:fName>
+                                <m:e>
+                                  <m:r>
+                                    <a:rPr lang="en-US" altLang="ja-JP" sz="2400" i="1">
+                                      <a:latin typeface="Cambria Math" charset="0"/>
+                                    </a:rPr>
+                                    <m:t>+</m:t>
+                                  </m:r>
+                                  <m:sSup>
+                                    <m:sSupPr>
+                                      <m:ctrlPr>
+                                        <a:rPr kumimoji="1" lang="en-US" altLang="ja-JP" sz="2400" b="0" i="1" smtClean="0">
+                                          <a:latin typeface="Cambria Math" charset="0"/>
+                                        </a:rPr>
+                                      </m:ctrlPr>
+                                    </m:sSupPr>
+                                    <m:e>
+                                      <m:r>
+                                        <a:rPr kumimoji="1" lang="en-US" altLang="ja-JP" sz="2400" b="0" i="1" smtClean="0">
+                                          <a:latin typeface="Cambria Math" charset="0"/>
+                                        </a:rPr>
+                                        <m:t>𝑦</m:t>
+                                      </m:r>
+                                    </m:e>
+                                    <m:sup>
+                                      <m:r>
+                                        <a:rPr kumimoji="1" lang="en-US" altLang="ja-JP" sz="2400" b="0" i="1" smtClean="0">
+                                          <a:latin typeface="Cambria Math" charset="0"/>
+                                        </a:rPr>
+                                        <m:t>′</m:t>
+                                      </m:r>
+                                    </m:sup>
+                                  </m:sSup>
+                                  <m:r>
+                                    <a:rPr kumimoji="1" lang="en-US" altLang="ja-JP" sz="2400" b="0" i="1" smtClean="0">
+                                      <a:latin typeface="Cambria Math" charset="0"/>
+                                    </a:rPr>
+                                    <m:t>×</m:t>
+                                  </m:r>
+                                  <m:func>
+                                    <m:funcPr>
+                                      <m:ctrlPr>
+                                        <a:rPr kumimoji="1" lang="en-US" altLang="ja-JP" sz="2400" b="0" i="1" smtClean="0">
+                                          <a:latin typeface="Cambria Math" charset="0"/>
+                                        </a:rPr>
+                                      </m:ctrlPr>
+                                    </m:funcPr>
+                                    <m:fName>
+                                      <m:r>
+                                        <m:rPr>
+                                          <m:sty m:val="p"/>
+                                        </m:rPr>
+                                        <a:rPr kumimoji="1" lang="en-US" altLang="ja-JP" sz="2400" b="0" i="0" smtClean="0">
+                                          <a:latin typeface="Cambria Math" charset="0"/>
+                                        </a:rPr>
+                                        <m:t>cos</m:t>
+                                      </m:r>
+                                    </m:fName>
+                                    <m:e>
+                                      <m:r>
+                                        <a:rPr kumimoji="1" lang="en-US" altLang="ja-JP" sz="2400" b="0" i="1" smtClean="0">
+                                          <a:latin typeface="Cambria Math" charset="0"/>
+                                        </a:rPr>
+                                        <m:t>𝜃</m:t>
+                                      </m:r>
+                                    </m:e>
+                                  </m:func>
+                                </m:e>
+                              </m:func>
+                            </m:e>
+                          </m:eqArr>
+                        </m:e>
+                      </m:d>
+                    </m:oMath>
+                  </m:oMathPara>
+                </a14:m>
+                <a:endParaRPr kumimoji="1" lang="ja-JP" altLang="en-US" sz="2400" dirty="0"/>
+              </a:p>
+            </p:txBody>
+          </p:sp>
+        </mc:Choice>
+        <mc:Fallback>
+          <p:sp>
+            <p:nvSpPr>
+              <p:cNvPr id="4" name="テキスト ボックス 3"/>
+              <p:cNvSpPr txBox="1">
+                <a:spLocks noRot="1" noChangeAspect="1" noMove="1" noResize="1" noEditPoints="1" noAdjustHandles="1" noChangeArrowheads="1" noChangeShapeType="1" noTextEdit="1"/>
+              </p:cNvSpPr>
+              <p:nvPr/>
+            </p:nvSpPr>
+            <p:spPr>
+              <a:xfrm>
+                <a:off x="970907" y="3220946"/>
+                <a:ext cx="3545009" cy="823815"/>
+              </a:xfrm>
+              <a:prstGeom prst="rect">
+                <a:avLst/>
+              </a:prstGeom>
+              <a:blipFill rotWithShape="0">
+                <a:blip r:embed="rId2"/>
+                <a:stretch>
+                  <a:fillRect/>
+                </a:stretch>
+              </a:blipFill>
+            </p:spPr>
+            <p:txBody>
+              <a:bodyPr/>
+              <a:lstStyle/>
+              <a:p>
+                <a:r>
+                  <a:rPr lang="ja-JP" altLang="en-US">
+                    <a:noFill/>
+                  </a:rPr>
+                  <a:t> </a:t>
+                </a:r>
+              </a:p>
+            </p:txBody>
+          </p:sp>
+        </mc:Fallback>
+      </mc:AlternateContent>
+      <mc:AlternateContent xmlns:mc="http://schemas.openxmlformats.org/markup-compatibility/2006">
+        <mc:Choice xmlns:a14="http://schemas.microsoft.com/office/drawing/2010/main" Requires="a14">
+          <p:sp>
+            <p:nvSpPr>
+              <p:cNvPr id="5" name="テキスト ボックス 4"/>
+              <p:cNvSpPr txBox="1"/>
+              <p:nvPr/>
+            </p:nvSpPr>
+            <p:spPr>
+              <a:xfrm>
+                <a:off x="888718" y="4352125"/>
+                <a:ext cx="3569503" cy="369332"/>
+              </a:xfrm>
+              <a:prstGeom prst="rect">
+                <a:avLst/>
+              </a:prstGeom>
+              <a:noFill/>
+            </p:spPr>
+            <p:txBody>
+              <a:bodyPr wrap="none" lIns="0" tIns="0" rIns="0" bIns="0" rtlCol="0">
+                <a:spAutoFit/>
+              </a:bodyPr>
+              <a:lstStyle/>
+              <a:p>
+                <a14:m>
+                  <m:oMath xmlns:m="http://schemas.openxmlformats.org/officeDocument/2006/math">
+                    <m:sSup>
+                      <m:sSupPr>
+                        <m:ctrlPr>
+                          <a:rPr kumimoji="1" lang="en-US" altLang="ja-JP" sz="2400" b="0" i="1" smtClean="0">
+                            <a:latin typeface="Cambria Math" charset="0"/>
+                          </a:rPr>
+                        </m:ctrlPr>
+                      </m:sSupPr>
+                      <m:e>
+                        <m:r>
+                          <a:rPr kumimoji="1" lang="en-US" altLang="ja-JP" sz="2400" b="0" i="1" smtClean="0">
+                            <a:latin typeface="Cambria Math" charset="0"/>
+                          </a:rPr>
+                          <m:t>𝑥</m:t>
+                        </m:r>
+                      </m:e>
+                      <m:sup>
+                        <m:r>
+                          <a:rPr kumimoji="1" lang="en-US" altLang="ja-JP" sz="2400" b="0" i="1" smtClean="0">
+                            <a:latin typeface="Cambria Math" charset="0"/>
+                          </a:rPr>
+                          <m:t>′</m:t>
+                        </m:r>
+                      </m:sup>
+                    </m:sSup>
+                    <m:r>
+                      <a:rPr kumimoji="1" lang="en-US" altLang="ja-JP" sz="2400" b="0" i="1" smtClean="0">
+                        <a:latin typeface="Cambria Math" charset="0"/>
+                      </a:rPr>
+                      <m:t>,</m:t>
+                    </m:r>
+                    <m:sSup>
+                      <m:sSupPr>
+                        <m:ctrlPr>
+                          <a:rPr kumimoji="1" lang="en-US" altLang="ja-JP" sz="2400" b="0" i="1" smtClean="0">
+                            <a:latin typeface="Cambria Math" charset="0"/>
+                          </a:rPr>
+                        </m:ctrlPr>
+                      </m:sSupPr>
+                      <m:e>
+                        <m:r>
+                          <a:rPr kumimoji="1" lang="en-US" altLang="ja-JP" sz="2400" b="0" i="1" smtClean="0">
+                            <a:latin typeface="Cambria Math" charset="0"/>
+                          </a:rPr>
+                          <m:t>𝑦</m:t>
+                        </m:r>
+                      </m:e>
+                      <m:sup>
+                        <m:r>
+                          <a:rPr kumimoji="1" lang="en-US" altLang="ja-JP" sz="2400" b="0" i="1" smtClean="0">
+                            <a:latin typeface="Cambria Math" charset="0"/>
+                          </a:rPr>
+                          <m:t>′</m:t>
+                        </m:r>
+                      </m:sup>
+                    </m:sSup>
+                    <m:r>
+                      <a:rPr kumimoji="1" lang="en-US" altLang="ja-JP" sz="2400" b="0" i="1" smtClean="0">
+                        <a:latin typeface="Cambria Math" charset="0"/>
+                      </a:rPr>
+                      <m:t>:</m:t>
+                    </m:r>
+                    <m:r>
+                      <a:rPr lang="ja-JP" altLang="en-US" sz="2400" i="1" smtClean="0">
+                        <a:latin typeface="Cambria Math" charset="0"/>
+                      </a:rPr>
+                      <m:t>回転後</m:t>
+                    </m:r>
+                  </m:oMath>
+                </a14:m>
+                <a:r>
+                  <a:rPr kumimoji="1" lang="ja-JP" altLang="en-US" sz="2400" dirty="0" smtClean="0"/>
+                  <a:t>の画素の位置</a:t>
+                </a:r>
+                <a:endParaRPr kumimoji="1" lang="ja-JP" altLang="en-US" sz="2400" dirty="0"/>
+              </a:p>
+            </p:txBody>
+          </p:sp>
+        </mc:Choice>
+        <mc:Fallback>
+          <p:sp>
+            <p:nvSpPr>
+              <p:cNvPr id="5" name="テキスト ボックス 4"/>
+              <p:cNvSpPr txBox="1">
+                <a:spLocks noRot="1" noChangeAspect="1" noMove="1" noResize="1" noEditPoints="1" noAdjustHandles="1" noChangeArrowheads="1" noChangeShapeType="1" noTextEdit="1"/>
+              </p:cNvSpPr>
+              <p:nvPr/>
+            </p:nvSpPr>
+            <p:spPr>
+              <a:xfrm>
+                <a:off x="888718" y="4352125"/>
+                <a:ext cx="3569503" cy="369332"/>
+              </a:xfrm>
+              <a:prstGeom prst="rect">
+                <a:avLst/>
+              </a:prstGeom>
+              <a:blipFill rotWithShape="0">
+                <a:blip r:embed="rId3"/>
+                <a:stretch>
+                  <a:fillRect l="-2222" t="-32787" r="-4274" b="-40984"/>
+                </a:stretch>
+              </a:blipFill>
+            </p:spPr>
+            <p:txBody>
+              <a:bodyPr/>
+              <a:lstStyle/>
+              <a:p>
+                <a:r>
+                  <a:rPr lang="ja-JP" altLang="en-US">
+                    <a:noFill/>
+                  </a:rPr>
+                  <a:t> </a:t>
+                </a:r>
+              </a:p>
+            </p:txBody>
+          </p:sp>
+        </mc:Fallback>
+      </mc:AlternateContent>
+      <mc:AlternateContent xmlns:mc="http://schemas.openxmlformats.org/markup-compatibility/2006">
+        <mc:Choice xmlns:a14="http://schemas.microsoft.com/office/drawing/2010/main" Requires="a14">
+          <p:sp>
+            <p:nvSpPr>
+              <p:cNvPr id="6" name="テキスト ボックス 5"/>
+              <p:cNvSpPr txBox="1"/>
+              <p:nvPr/>
+            </p:nvSpPr>
+            <p:spPr>
+              <a:xfrm>
+                <a:off x="847832" y="4804341"/>
+                <a:ext cx="3498907" cy="369332"/>
+              </a:xfrm>
+              <a:prstGeom prst="rect">
+                <a:avLst/>
+              </a:prstGeom>
+              <a:noFill/>
+            </p:spPr>
+            <p:txBody>
+              <a:bodyPr wrap="none" lIns="0" tIns="0" rIns="0" bIns="0" rtlCol="0">
+                <a:spAutoFit/>
+              </a:bodyPr>
+              <a:lstStyle/>
+              <a:p>
+                <a14:m>
+                  <m:oMath xmlns:m="http://schemas.openxmlformats.org/officeDocument/2006/math">
+                    <m:r>
+                      <a:rPr kumimoji="1" lang="en-US" altLang="ja-JP" sz="2400" b="0" i="1" smtClean="0">
+                        <a:latin typeface="Cambria Math" charset="0"/>
+                      </a:rPr>
+                      <m:t>𝑥</m:t>
+                    </m:r>
+                    <m:r>
+                      <a:rPr kumimoji="1" lang="en-US" altLang="ja-JP" sz="2400" b="0" i="1" smtClean="0">
+                        <a:latin typeface="Cambria Math" charset="0"/>
+                      </a:rPr>
+                      <m:t>,</m:t>
+                    </m:r>
+                    <m:r>
+                      <a:rPr kumimoji="1" lang="en-US" altLang="ja-JP" sz="2400" b="0" i="1" smtClean="0">
+                        <a:latin typeface="Cambria Math" charset="0"/>
+                      </a:rPr>
+                      <m:t>𝑦</m:t>
+                    </m:r>
+                    <m:r>
+                      <a:rPr kumimoji="1" lang="en-US" altLang="ja-JP" sz="2400" b="0" i="1" smtClean="0">
+                        <a:latin typeface="Cambria Math" charset="0"/>
+                      </a:rPr>
+                      <m:t> :回転前</m:t>
+                    </m:r>
+                  </m:oMath>
+                </a14:m>
+                <a:r>
+                  <a:rPr kumimoji="1" lang="ja-JP" altLang="en-US" sz="2400" dirty="0" smtClean="0"/>
+                  <a:t>の画素の位置</a:t>
+                </a:r>
+                <a:endParaRPr kumimoji="1" lang="ja-JP" altLang="en-US" sz="2400" dirty="0"/>
+              </a:p>
+            </p:txBody>
+          </p:sp>
+        </mc:Choice>
+        <mc:Fallback>
+          <p:sp>
+            <p:nvSpPr>
+              <p:cNvPr id="6" name="テキスト ボックス 5"/>
+              <p:cNvSpPr txBox="1">
+                <a:spLocks noRot="1" noChangeAspect="1" noMove="1" noResize="1" noEditPoints="1" noAdjustHandles="1" noChangeArrowheads="1" noChangeShapeType="1" noTextEdit="1"/>
+              </p:cNvSpPr>
+              <p:nvPr/>
+            </p:nvSpPr>
+            <p:spPr>
+              <a:xfrm>
+                <a:off x="847832" y="4804341"/>
+                <a:ext cx="3498907" cy="369332"/>
+              </a:xfrm>
+              <a:prstGeom prst="rect">
+                <a:avLst/>
+              </a:prstGeom>
+              <a:blipFill rotWithShape="0">
+                <a:blip r:embed="rId4"/>
+                <a:stretch>
+                  <a:fillRect l="-2091" t="-31148" r="-4355" b="-42623"/>
+                </a:stretch>
+              </a:blipFill>
+            </p:spPr>
+            <p:txBody>
+              <a:bodyPr/>
+              <a:lstStyle/>
+              <a:p>
+                <a:r>
+                  <a:rPr lang="ja-JP" altLang="en-US">
+                    <a:noFill/>
+                  </a:rPr>
+                  <a:t> </a:t>
+                </a:r>
+              </a:p>
+            </p:txBody>
+          </p:sp>
+        </mc:Fallback>
+      </mc:AlternateContent>
+      <mc:AlternateContent xmlns:mc="http://schemas.openxmlformats.org/markup-compatibility/2006">
+        <mc:Choice xmlns:a14="http://schemas.microsoft.com/office/drawing/2010/main" Requires="a14">
+          <p:sp>
+            <p:nvSpPr>
+              <p:cNvPr id="8" name="テキスト ボックス 7"/>
+              <p:cNvSpPr txBox="1"/>
+              <p:nvPr/>
+            </p:nvSpPr>
+            <p:spPr>
+              <a:xfrm>
+                <a:off x="847832" y="5256557"/>
+                <a:ext cx="1307474" cy="369332"/>
+              </a:xfrm>
+              <a:prstGeom prst="rect">
+                <a:avLst/>
+              </a:prstGeom>
+              <a:noFill/>
+            </p:spPr>
+            <p:txBody>
+              <a:bodyPr wrap="none" lIns="0" tIns="0" rIns="0" bIns="0" rtlCol="0">
+                <a:spAutoFit/>
+              </a:bodyPr>
+              <a:lstStyle/>
+              <a:p>
+                <a14:m>
+                  <m:oMathPara xmlns:m="http://schemas.openxmlformats.org/officeDocument/2006/math">
+                    <m:oMathParaPr>
+                      <m:jc m:val="centerGroup"/>
+                    </m:oMathParaPr>
+                    <m:oMath xmlns:m="http://schemas.openxmlformats.org/officeDocument/2006/math">
+                      <m:r>
+                        <a:rPr kumimoji="1" lang="en-US" altLang="ja-JP" sz="2400" b="0" i="1" smtClean="0">
+                          <a:latin typeface="Cambria Math" charset="0"/>
+                        </a:rPr>
+                        <m:t>𝜃</m:t>
+                      </m:r>
+                      <m:r>
+                        <a:rPr kumimoji="1" lang="en-US" altLang="ja-JP" sz="2400" b="0" i="1" smtClean="0">
+                          <a:latin typeface="Cambria Math" charset="0"/>
+                        </a:rPr>
+                        <m:t>:回転角</m:t>
+                      </m:r>
+                    </m:oMath>
+                  </m:oMathPara>
+                </a14:m>
+                <a:endParaRPr kumimoji="1" lang="ja-JP" altLang="en-US" sz="2400" dirty="0"/>
+              </a:p>
+            </p:txBody>
+          </p:sp>
+        </mc:Choice>
+        <mc:Fallback>
+          <p:sp>
+            <p:nvSpPr>
+              <p:cNvPr id="8" name="テキスト ボックス 7"/>
+              <p:cNvSpPr txBox="1">
+                <a:spLocks noRot="1" noChangeAspect="1" noMove="1" noResize="1" noEditPoints="1" noAdjustHandles="1" noChangeArrowheads="1" noChangeShapeType="1" noTextEdit="1"/>
+              </p:cNvSpPr>
+              <p:nvPr/>
+            </p:nvSpPr>
+            <p:spPr>
+              <a:xfrm>
+                <a:off x="847832" y="5256557"/>
+                <a:ext cx="1307474" cy="369332"/>
+              </a:xfrm>
+              <a:prstGeom prst="rect">
+                <a:avLst/>
+              </a:prstGeom>
+              <a:blipFill rotWithShape="0">
+                <a:blip r:embed="rId5"/>
+                <a:stretch>
+                  <a:fillRect l="-5116" t="-9836" r="-7907" b="-24590"/>
+                </a:stretch>
+              </a:blipFill>
+            </p:spPr>
+            <p:txBody>
+              <a:bodyPr/>
+              <a:lstStyle/>
+              <a:p>
+                <a:r>
+                  <a:rPr lang="ja-JP" altLang="en-US">
+                    <a:noFill/>
+                  </a:rPr>
+                  <a:t> </a:t>
+                </a:r>
+              </a:p>
+            </p:txBody>
+          </p:sp>
+        </mc:Fallback>
+      </mc:AlternateContent>
     </p:spTree>
     <p:extLst>
       <p:ext uri="{BB962C8B-B14F-4D97-AF65-F5344CB8AC3E}">
@@ -4715,15 +6146,7 @@
           <a:p>
             <a:r>
               <a:rPr kumimoji="1" lang="ja-JP" altLang="en-US" dirty="0" smtClean="0"/>
-              <a:t>①拡大縮小</a:t>
-            </a:r>
-            <a:r>
-              <a:rPr kumimoji="1" lang="ja-JP" altLang="en-US" smtClean="0"/>
-              <a:t>なし，回転</a:t>
-            </a:r>
-            <a:r>
-              <a:rPr kumimoji="1" lang="ja-JP" altLang="en-US" dirty="0" smtClean="0"/>
-              <a:t>なしで全探索．</a:t>
+              <a:t>①拡大縮小なし，回転なしで全探索．</a:t>
             </a:r>
             <a:endParaRPr kumimoji="1" lang="en-US" altLang="ja-JP" dirty="0" smtClean="0"/>
           </a:p>
